--- a/poster.pptx
+++ b/poster.pptx
@@ -104,6 +104,11 @@
       </a:defRPr>
     </a:lvl9pPr>
   </p:defaultTextStyle>
+  <p:extLst>
+    <p:ext uri="{EFAFB233-063F-42B5-8137-9DF3F51BA10A}">
+      <p15:sldGuideLst xmlns:p15="http://schemas.microsoft.com/office/powerpoint/2012/main"/>
+    </p:ext>
+  </p:extLst>
 </p:presentation>
 </file>
 
@@ -3334,7 +3339,7 @@
           <p:cNvPr id="2" name="Title 1">
             <a:extLst>
               <a:ext uri="{FF2B5EF4-FFF2-40B4-BE49-F238E27FC236}">
-                <a16:creationId xmlns:a16="http://schemas.microsoft.com/office/drawing/2014/main" id="{F31CAE11-E822-46E0-9269-9AC70C4F80C4}"/>
+                <a16:creationId xmlns="" xmlns:a16="http://schemas.microsoft.com/office/drawing/2014/main" id="{F31CAE11-E822-46E0-9269-9AC70C4F80C4}"/>
               </a:ext>
             </a:extLst>
           </p:cNvPr>
@@ -3373,7 +3378,7 @@
           <p:cNvPr id="3" name="Subtitle 2">
             <a:extLst>
               <a:ext uri="{FF2B5EF4-FFF2-40B4-BE49-F238E27FC236}">
-                <a16:creationId xmlns:a16="http://schemas.microsoft.com/office/drawing/2014/main" id="{74A9D20D-060B-4324-B00C-37ABBB65877F}"/>
+                <a16:creationId xmlns="" xmlns:a16="http://schemas.microsoft.com/office/drawing/2014/main" id="{74A9D20D-060B-4324-B00C-37ABBB65877F}"/>
               </a:ext>
             </a:extLst>
           </p:cNvPr>
@@ -3386,7 +3391,7 @@
         </p:nvSpPr>
         <p:spPr>
           <a:xfrm>
-            <a:off x="828077" y="20522849"/>
+            <a:off x="834232" y="25427941"/>
             <a:ext cx="7452682" cy="7947658"/>
           </a:xfrm>
         </p:spPr>
@@ -3432,7 +3437,7 @@
           <p:cNvPr id="5" name="Subtitle 2">
             <a:extLst>
               <a:ext uri="{FF2B5EF4-FFF2-40B4-BE49-F238E27FC236}">
-                <a16:creationId xmlns:a16="http://schemas.microsoft.com/office/drawing/2014/main" id="{47538A9E-D00F-4EA8-9125-3D1D6A45EE71}"/>
+                <a16:creationId xmlns="" xmlns:a16="http://schemas.microsoft.com/office/drawing/2014/main" id="{47538A9E-D00F-4EA8-9125-3D1D6A45EE71}"/>
               </a:ext>
             </a:extLst>
           </p:cNvPr>
@@ -3443,7 +3448,7 @@
         </p:nvSpPr>
         <p:spPr>
           <a:xfrm>
-            <a:off x="8699859" y="20436529"/>
+            <a:off x="8286232" y="25427941"/>
             <a:ext cx="6033118" cy="7947658"/>
           </a:xfrm>
           <a:prstGeom prst="rect">
@@ -3706,7 +3711,7 @@
           <p:cNvPr id="6" name="Subtitle 2">
             <a:extLst>
               <a:ext uri="{FF2B5EF4-FFF2-40B4-BE49-F238E27FC236}">
-                <a16:creationId xmlns:a16="http://schemas.microsoft.com/office/drawing/2014/main" id="{67A11260-AFC3-457D-995F-C5F9A49CC269}"/>
+                <a16:creationId xmlns="" xmlns:a16="http://schemas.microsoft.com/office/drawing/2014/main" id="{67A11260-AFC3-457D-995F-C5F9A49CC269}"/>
               </a:ext>
             </a:extLst>
           </p:cNvPr>
@@ -3717,7 +3722,7 @@
         </p:nvSpPr>
         <p:spPr>
           <a:xfrm>
-            <a:off x="13664843" y="20436529"/>
+            <a:off x="13904630" y="25427941"/>
             <a:ext cx="8280758" cy="7947658"/>
           </a:xfrm>
           <a:prstGeom prst="rect">
@@ -3971,7 +3976,7 @@
           <p:cNvPr id="7" name="Content Placeholder 3">
             <a:extLst>
               <a:ext uri="{FF2B5EF4-FFF2-40B4-BE49-F238E27FC236}">
-                <a16:creationId xmlns:a16="http://schemas.microsoft.com/office/drawing/2014/main" id="{30997349-3270-43D3-9182-3AA72D65CEAA}"/>
+                <a16:creationId xmlns="" xmlns:a16="http://schemas.microsoft.com/office/drawing/2014/main" id="{30997349-3270-43D3-9182-3AA72D65CEAA}"/>
               </a:ext>
             </a:extLst>
           </p:cNvPr>
@@ -3988,8 +3993,8 @@
         </p:blipFill>
         <p:spPr>
           <a:xfrm>
-            <a:off x="5876838" y="8421722"/>
-            <a:ext cx="10840960" cy="7947658"/>
+            <a:off x="2655694" y="9205494"/>
+            <a:ext cx="8647097" cy="6339307"/>
           </a:xfrm>
           <a:prstGeom prst="rect">
             <a:avLst/>
@@ -4006,6 +4011,110 @@
               <a:srgbClr val="000000"/>
             </a:innerShdw>
           </a:effectLst>
+        </p:spPr>
+      </p:pic>
+      <p:pic>
+        <p:nvPicPr>
+          <p:cNvPr id="1026" name="Picture 2" descr="Image result for smart thermostat"/>
+          <p:cNvPicPr>
+            <a:picLocks noChangeAspect="1" noChangeArrowheads="1"/>
+          </p:cNvPicPr>
+          <p:nvPr/>
+        </p:nvPicPr>
+        <p:blipFill>
+          <a:blip r:embed="rId3">
+            <a:extLst>
+              <a:ext uri="{28A0092B-C50C-407E-A947-70E740481C1C}">
+                <a14:useLocalDpi xmlns:a14="http://schemas.microsoft.com/office/drawing/2010/main" val="0"/>
+              </a:ext>
+            </a:extLst>
+          </a:blip>
+          <a:srcRect/>
+          <a:stretch>
+            <a:fillRect/>
+          </a:stretch>
+        </p:blipFill>
+        <p:spPr bwMode="auto">
+          <a:xfrm>
+            <a:off x="12674391" y="8488947"/>
+            <a:ext cx="7772400" cy="7772400"/>
+          </a:xfrm>
+          <a:prstGeom prst="rect">
+            <a:avLst/>
+          </a:prstGeom>
+          <a:ln w="228600" cap="sq" cmpd="thickThin">
+            <a:solidFill>
+              <a:srgbClr val="000000"/>
+            </a:solidFill>
+            <a:prstDash val="solid"/>
+            <a:miter lim="800000"/>
+          </a:ln>
+          <a:effectLst>
+            <a:innerShdw blurRad="76200">
+              <a:srgbClr val="000000"/>
+            </a:innerShdw>
+          </a:effectLst>
+          <a:extLst>
+            <a:ext uri="{909E8E84-426E-40DD-AFC4-6F175D3DCCD1}">
+              <a14:hiddenFill xmlns:a14="http://schemas.microsoft.com/office/drawing/2010/main">
+                <a:solidFill>
+                  <a:srgbClr val="FFFFFF"/>
+                </a:solidFill>
+              </a14:hiddenFill>
+            </a:ext>
+          </a:extLst>
+        </p:spPr>
+      </p:pic>
+      <p:pic>
+        <p:nvPicPr>
+          <p:cNvPr id="1028" name="Picture 4" descr="Image result for smart remote"/>
+          <p:cNvPicPr>
+            <a:picLocks noChangeAspect="1" noChangeArrowheads="1"/>
+          </p:cNvPicPr>
+          <p:nvPr/>
+        </p:nvPicPr>
+        <p:blipFill>
+          <a:blip r:embed="rId4">
+            <a:extLst>
+              <a:ext uri="{28A0092B-C50C-407E-A947-70E740481C1C}">
+                <a14:useLocalDpi xmlns:a14="http://schemas.microsoft.com/office/drawing/2010/main" val="0"/>
+              </a:ext>
+            </a:extLst>
+          </a:blip>
+          <a:srcRect/>
+          <a:stretch>
+            <a:fillRect/>
+          </a:stretch>
+        </p:blipFill>
+        <p:spPr bwMode="auto">
+          <a:xfrm>
+            <a:off x="6979241" y="17114253"/>
+            <a:ext cx="8826815" cy="6620112"/>
+          </a:xfrm>
+          <a:prstGeom prst="rect">
+            <a:avLst/>
+          </a:prstGeom>
+          <a:ln w="228600" cap="sq" cmpd="thickThin">
+            <a:solidFill>
+              <a:srgbClr val="000000"/>
+            </a:solidFill>
+            <a:prstDash val="solid"/>
+            <a:miter lim="800000"/>
+          </a:ln>
+          <a:effectLst>
+            <a:innerShdw blurRad="76200">
+              <a:srgbClr val="000000"/>
+            </a:innerShdw>
+          </a:effectLst>
+          <a:extLst>
+            <a:ext uri="{909E8E84-426E-40DD-AFC4-6F175D3DCCD1}">
+              <a14:hiddenFill xmlns:a14="http://schemas.microsoft.com/office/drawing/2010/main">
+                <a:solidFill>
+                  <a:srgbClr val="FFFFFF"/>
+                </a:solidFill>
+              </a14:hiddenFill>
+            </a:ext>
+          </a:extLst>
         </p:spPr>
       </p:pic>
     </p:spTree>
